--- a/ppt 16-9/0670.赞美歌声.pptx
+++ b/ppt 16-9/0670.赞美歌声.pptx
@@ -5,7 +5,7 @@
     <p:sldMasterId id="2147483648" r:id="rId1"/>
   </p:sldMasterIdLst>
   <p:sldIdLst>
-    <p:sldId id="2477" r:id="rId2"/>
+    <p:sldId id="2478" r:id="rId2"/>
   </p:sldIdLst>
   <p:sldSz cx="12192000" cy="6858000"/>
   <p:notesSz cx="6858000" cy="9144000"/>
@@ -129,7 +129,7 @@
           <p:cNvPr id="2" name="标题 1">
             <a:extLst>
               <a:ext uri="{FF2B5EF4-FFF2-40B4-BE49-F238E27FC236}">
-                <a16:creationId xmlns:a16="http://schemas.microsoft.com/office/drawing/2014/main" id="{3260AE37-6243-81F1-3778-9A8D9F226097}"/>
+                <a16:creationId xmlns:a16="http://schemas.microsoft.com/office/drawing/2014/main" id="{4DEAB904-ADCF-9E60-E62F-E6AA4AD40515}"/>
               </a:ext>
             </a:extLst>
           </p:cNvPr>
@@ -166,7 +166,7 @@
           <p:cNvPr id="3" name="副标题 2">
             <a:extLst>
               <a:ext uri="{FF2B5EF4-FFF2-40B4-BE49-F238E27FC236}">
-                <a16:creationId xmlns:a16="http://schemas.microsoft.com/office/drawing/2014/main" id="{F03E00A8-EDCC-E533-BF75-9661DFD94DF2}"/>
+                <a16:creationId xmlns:a16="http://schemas.microsoft.com/office/drawing/2014/main" id="{161FFFAF-C600-7BBD-5051-05D841D90504}"/>
               </a:ext>
             </a:extLst>
           </p:cNvPr>
@@ -236,7 +236,7 @@
           <p:cNvPr id="4" name="日期占位符 3">
             <a:extLst>
               <a:ext uri="{FF2B5EF4-FFF2-40B4-BE49-F238E27FC236}">
-                <a16:creationId xmlns:a16="http://schemas.microsoft.com/office/drawing/2014/main" id="{7191BDF4-5CBF-0922-CFB6-1ABEB15945EC}"/>
+                <a16:creationId xmlns:a16="http://schemas.microsoft.com/office/drawing/2014/main" id="{6D05BFE9-2B72-0A73-61CD-D5EA0DDB98A3}"/>
               </a:ext>
             </a:extLst>
           </p:cNvPr>
@@ -252,7 +252,7 @@
           <a:bodyPr/>
           <a:lstStyle/>
           <a:p>
-            <a:fld id="{A03E2210-B729-48AC-A363-D352A1756E0D}" type="datetimeFigureOut">
+            <a:fld id="{65F0669D-6D43-4FBF-964C-F59C66159069}" type="datetimeFigureOut">
               <a:rPr lang="zh-CN" altLang="en-US" smtClean="0"/>
               <a:t>2024/3/10</a:t>
             </a:fld>
@@ -265,7 +265,7 @@
           <p:cNvPr id="5" name="页脚占位符 4">
             <a:extLst>
               <a:ext uri="{FF2B5EF4-FFF2-40B4-BE49-F238E27FC236}">
-                <a16:creationId xmlns:a16="http://schemas.microsoft.com/office/drawing/2014/main" id="{25786C14-BABF-9582-49A1-9EF18D72750E}"/>
+                <a16:creationId xmlns:a16="http://schemas.microsoft.com/office/drawing/2014/main" id="{D139D9C5-284B-A1D2-22FE-E9C58CA333A5}"/>
               </a:ext>
             </a:extLst>
           </p:cNvPr>
@@ -290,7 +290,7 @@
           <p:cNvPr id="6" name="灯片编号占位符 5">
             <a:extLst>
               <a:ext uri="{FF2B5EF4-FFF2-40B4-BE49-F238E27FC236}">
-                <a16:creationId xmlns:a16="http://schemas.microsoft.com/office/drawing/2014/main" id="{C0314C5B-5C6A-E54F-9B72-0FFADC8CD270}"/>
+                <a16:creationId xmlns:a16="http://schemas.microsoft.com/office/drawing/2014/main" id="{721AF739-10BC-7885-15B3-571E0083870A}"/>
               </a:ext>
             </a:extLst>
           </p:cNvPr>
@@ -306,7 +306,7 @@
           <a:bodyPr/>
           <a:lstStyle/>
           <a:p>
-            <a:fld id="{EA544FD3-C8FE-445A-A79C-CDBC9AB0FD08}" type="slidenum">
+            <a:fld id="{13336758-18DE-4073-A172-07C7A4B14B10}" type="slidenum">
               <a:rPr lang="zh-CN" altLang="en-US" smtClean="0"/>
               <a:t>‹#›</a:t>
             </a:fld>
@@ -317,7 +317,7 @@
     </p:spTree>
     <p:extLst>
       <p:ext uri="{BB962C8B-B14F-4D97-AF65-F5344CB8AC3E}">
-        <p14:creationId xmlns:p14="http://schemas.microsoft.com/office/powerpoint/2010/main" val="432638035"/>
+        <p14:creationId xmlns:p14="http://schemas.microsoft.com/office/powerpoint/2010/main" val="2986898862"/>
       </p:ext>
     </p:extLst>
   </p:cSld>
@@ -349,7 +349,7 @@
           <p:cNvPr id="2" name="标题 1">
             <a:extLst>
               <a:ext uri="{FF2B5EF4-FFF2-40B4-BE49-F238E27FC236}">
-                <a16:creationId xmlns:a16="http://schemas.microsoft.com/office/drawing/2014/main" id="{EB766FFD-B9B5-B6D8-BE59-769399AF0A54}"/>
+                <a16:creationId xmlns:a16="http://schemas.microsoft.com/office/drawing/2014/main" id="{67508FD5-A637-E104-052C-6E51C2124107}"/>
               </a:ext>
             </a:extLst>
           </p:cNvPr>
@@ -377,7 +377,7 @@
           <p:cNvPr id="3" name="竖排文字占位符 2">
             <a:extLst>
               <a:ext uri="{FF2B5EF4-FFF2-40B4-BE49-F238E27FC236}">
-                <a16:creationId xmlns:a16="http://schemas.microsoft.com/office/drawing/2014/main" id="{DCCA617C-22F6-DBEC-0220-970F5EA4A363}"/>
+                <a16:creationId xmlns:a16="http://schemas.microsoft.com/office/drawing/2014/main" id="{77CA15BE-CD11-DF15-2C70-23D0E36C51D2}"/>
               </a:ext>
             </a:extLst>
           </p:cNvPr>
@@ -434,7 +434,7 @@
           <p:cNvPr id="4" name="日期占位符 3">
             <a:extLst>
               <a:ext uri="{FF2B5EF4-FFF2-40B4-BE49-F238E27FC236}">
-                <a16:creationId xmlns:a16="http://schemas.microsoft.com/office/drawing/2014/main" id="{5A4395AA-D417-A6AD-DDC6-3A15CED8146F}"/>
+                <a16:creationId xmlns:a16="http://schemas.microsoft.com/office/drawing/2014/main" id="{C65A0854-9C0D-7F1A-A6A4-23F82F103075}"/>
               </a:ext>
             </a:extLst>
           </p:cNvPr>
@@ -450,7 +450,7 @@
           <a:bodyPr/>
           <a:lstStyle/>
           <a:p>
-            <a:fld id="{A03E2210-B729-48AC-A363-D352A1756E0D}" type="datetimeFigureOut">
+            <a:fld id="{65F0669D-6D43-4FBF-964C-F59C66159069}" type="datetimeFigureOut">
               <a:rPr lang="zh-CN" altLang="en-US" smtClean="0"/>
               <a:t>2024/3/10</a:t>
             </a:fld>
@@ -463,7 +463,7 @@
           <p:cNvPr id="5" name="页脚占位符 4">
             <a:extLst>
               <a:ext uri="{FF2B5EF4-FFF2-40B4-BE49-F238E27FC236}">
-                <a16:creationId xmlns:a16="http://schemas.microsoft.com/office/drawing/2014/main" id="{F3083F34-05B9-2C80-B911-ADE9D231B134}"/>
+                <a16:creationId xmlns:a16="http://schemas.microsoft.com/office/drawing/2014/main" id="{A94B0A49-4256-F41D-898B-CFF1FA95F004}"/>
               </a:ext>
             </a:extLst>
           </p:cNvPr>
@@ -488,7 +488,7 @@
           <p:cNvPr id="6" name="灯片编号占位符 5">
             <a:extLst>
               <a:ext uri="{FF2B5EF4-FFF2-40B4-BE49-F238E27FC236}">
-                <a16:creationId xmlns:a16="http://schemas.microsoft.com/office/drawing/2014/main" id="{2BF42BE9-E1CD-2BFB-E1EE-BCE5E34ED490}"/>
+                <a16:creationId xmlns:a16="http://schemas.microsoft.com/office/drawing/2014/main" id="{5358A236-2D48-B55C-9FA9-B527C227D448}"/>
               </a:ext>
             </a:extLst>
           </p:cNvPr>
@@ -504,7 +504,7 @@
           <a:bodyPr/>
           <a:lstStyle/>
           <a:p>
-            <a:fld id="{EA544FD3-C8FE-445A-A79C-CDBC9AB0FD08}" type="slidenum">
+            <a:fld id="{13336758-18DE-4073-A172-07C7A4B14B10}" type="slidenum">
               <a:rPr lang="zh-CN" altLang="en-US" smtClean="0"/>
               <a:t>‹#›</a:t>
             </a:fld>
@@ -515,7 +515,7 @@
     </p:spTree>
     <p:extLst>
       <p:ext uri="{BB962C8B-B14F-4D97-AF65-F5344CB8AC3E}">
-        <p14:creationId xmlns:p14="http://schemas.microsoft.com/office/powerpoint/2010/main" val="2275886566"/>
+        <p14:creationId xmlns:p14="http://schemas.microsoft.com/office/powerpoint/2010/main" val="2777756677"/>
       </p:ext>
     </p:extLst>
   </p:cSld>
@@ -547,7 +547,7 @@
           <p:cNvPr id="2" name="竖排标题 1">
             <a:extLst>
               <a:ext uri="{FF2B5EF4-FFF2-40B4-BE49-F238E27FC236}">
-                <a16:creationId xmlns:a16="http://schemas.microsoft.com/office/drawing/2014/main" id="{AE483D59-6947-4E28-3253-CFD38E1FF328}"/>
+                <a16:creationId xmlns:a16="http://schemas.microsoft.com/office/drawing/2014/main" id="{211B24E3-9CEA-835A-E0D7-A9164095051B}"/>
               </a:ext>
             </a:extLst>
           </p:cNvPr>
@@ -580,7 +580,7 @@
           <p:cNvPr id="3" name="竖排文字占位符 2">
             <a:extLst>
               <a:ext uri="{FF2B5EF4-FFF2-40B4-BE49-F238E27FC236}">
-                <a16:creationId xmlns:a16="http://schemas.microsoft.com/office/drawing/2014/main" id="{8126F8E2-7C9C-6479-691B-F9F6EEEB87F7}"/>
+                <a16:creationId xmlns:a16="http://schemas.microsoft.com/office/drawing/2014/main" id="{EAA89368-5C5C-249C-D2B5-E7897571C2B4}"/>
               </a:ext>
             </a:extLst>
           </p:cNvPr>
@@ -642,7 +642,7 @@
           <p:cNvPr id="4" name="日期占位符 3">
             <a:extLst>
               <a:ext uri="{FF2B5EF4-FFF2-40B4-BE49-F238E27FC236}">
-                <a16:creationId xmlns:a16="http://schemas.microsoft.com/office/drawing/2014/main" id="{79BB3F64-6B0B-E7D7-65B7-574E6A98E800}"/>
+                <a16:creationId xmlns:a16="http://schemas.microsoft.com/office/drawing/2014/main" id="{EEC07FE7-A122-737B-095C-A4E132501222}"/>
               </a:ext>
             </a:extLst>
           </p:cNvPr>
@@ -658,7 +658,7 @@
           <a:bodyPr/>
           <a:lstStyle/>
           <a:p>
-            <a:fld id="{A03E2210-B729-48AC-A363-D352A1756E0D}" type="datetimeFigureOut">
+            <a:fld id="{65F0669D-6D43-4FBF-964C-F59C66159069}" type="datetimeFigureOut">
               <a:rPr lang="zh-CN" altLang="en-US" smtClean="0"/>
               <a:t>2024/3/10</a:t>
             </a:fld>
@@ -671,7 +671,7 @@
           <p:cNvPr id="5" name="页脚占位符 4">
             <a:extLst>
               <a:ext uri="{FF2B5EF4-FFF2-40B4-BE49-F238E27FC236}">
-                <a16:creationId xmlns:a16="http://schemas.microsoft.com/office/drawing/2014/main" id="{3F545751-FEF4-9D62-B8FF-6337CD5E6182}"/>
+                <a16:creationId xmlns:a16="http://schemas.microsoft.com/office/drawing/2014/main" id="{E443CE64-4448-96A3-1967-F347677668D3}"/>
               </a:ext>
             </a:extLst>
           </p:cNvPr>
@@ -696,7 +696,7 @@
           <p:cNvPr id="6" name="灯片编号占位符 5">
             <a:extLst>
               <a:ext uri="{FF2B5EF4-FFF2-40B4-BE49-F238E27FC236}">
-                <a16:creationId xmlns:a16="http://schemas.microsoft.com/office/drawing/2014/main" id="{706F8426-C3C3-7E6E-BDA3-67266A8F3975}"/>
+                <a16:creationId xmlns:a16="http://schemas.microsoft.com/office/drawing/2014/main" id="{09021E25-2FF5-756E-B6FF-6D1EEB66FCA7}"/>
               </a:ext>
             </a:extLst>
           </p:cNvPr>
@@ -712,7 +712,7 @@
           <a:bodyPr/>
           <a:lstStyle/>
           <a:p>
-            <a:fld id="{EA544FD3-C8FE-445A-A79C-CDBC9AB0FD08}" type="slidenum">
+            <a:fld id="{13336758-18DE-4073-A172-07C7A4B14B10}" type="slidenum">
               <a:rPr lang="zh-CN" altLang="en-US" smtClean="0"/>
               <a:t>‹#›</a:t>
             </a:fld>
@@ -723,7 +723,7 @@
     </p:spTree>
     <p:extLst>
       <p:ext uri="{BB962C8B-B14F-4D97-AF65-F5344CB8AC3E}">
-        <p14:creationId xmlns:p14="http://schemas.microsoft.com/office/powerpoint/2010/main" val="1970489394"/>
+        <p14:creationId xmlns:p14="http://schemas.microsoft.com/office/powerpoint/2010/main" val="2260520128"/>
       </p:ext>
     </p:extLst>
   </p:cSld>
@@ -755,7 +755,7 @@
           <p:cNvPr id="2" name="标题 1">
             <a:extLst>
               <a:ext uri="{FF2B5EF4-FFF2-40B4-BE49-F238E27FC236}">
-                <a16:creationId xmlns:a16="http://schemas.microsoft.com/office/drawing/2014/main" id="{A3231FEC-F182-7CB7-CDE2-746E6E057498}"/>
+                <a16:creationId xmlns:a16="http://schemas.microsoft.com/office/drawing/2014/main" id="{86549A69-7D88-9494-706E-33317C69886D}"/>
               </a:ext>
             </a:extLst>
           </p:cNvPr>
@@ -783,7 +783,7 @@
           <p:cNvPr id="3" name="内容占位符 2">
             <a:extLst>
               <a:ext uri="{FF2B5EF4-FFF2-40B4-BE49-F238E27FC236}">
-                <a16:creationId xmlns:a16="http://schemas.microsoft.com/office/drawing/2014/main" id="{0F40CFAB-DAE3-842D-B4AA-E969EE735094}"/>
+                <a16:creationId xmlns:a16="http://schemas.microsoft.com/office/drawing/2014/main" id="{070321DB-7FF6-3660-30F9-7202D98BC20B}"/>
               </a:ext>
             </a:extLst>
           </p:cNvPr>
@@ -840,7 +840,7 @@
           <p:cNvPr id="4" name="日期占位符 3">
             <a:extLst>
               <a:ext uri="{FF2B5EF4-FFF2-40B4-BE49-F238E27FC236}">
-                <a16:creationId xmlns:a16="http://schemas.microsoft.com/office/drawing/2014/main" id="{C3039A5A-1EF2-D3E6-54A9-2C8544023A86}"/>
+                <a16:creationId xmlns:a16="http://schemas.microsoft.com/office/drawing/2014/main" id="{A91C5C29-4A6B-CB70-83E0-12DFE7F64E78}"/>
               </a:ext>
             </a:extLst>
           </p:cNvPr>
@@ -856,7 +856,7 @@
           <a:bodyPr/>
           <a:lstStyle/>
           <a:p>
-            <a:fld id="{A03E2210-B729-48AC-A363-D352A1756E0D}" type="datetimeFigureOut">
+            <a:fld id="{65F0669D-6D43-4FBF-964C-F59C66159069}" type="datetimeFigureOut">
               <a:rPr lang="zh-CN" altLang="en-US" smtClean="0"/>
               <a:t>2024/3/10</a:t>
             </a:fld>
@@ -869,7 +869,7 @@
           <p:cNvPr id="5" name="页脚占位符 4">
             <a:extLst>
               <a:ext uri="{FF2B5EF4-FFF2-40B4-BE49-F238E27FC236}">
-                <a16:creationId xmlns:a16="http://schemas.microsoft.com/office/drawing/2014/main" id="{9716D952-1200-2F8E-41B4-62E63F795D14}"/>
+                <a16:creationId xmlns:a16="http://schemas.microsoft.com/office/drawing/2014/main" id="{02F58678-ECC7-639A-2936-E77AD59FA27F}"/>
               </a:ext>
             </a:extLst>
           </p:cNvPr>
@@ -894,7 +894,7 @@
           <p:cNvPr id="6" name="灯片编号占位符 5">
             <a:extLst>
               <a:ext uri="{FF2B5EF4-FFF2-40B4-BE49-F238E27FC236}">
-                <a16:creationId xmlns:a16="http://schemas.microsoft.com/office/drawing/2014/main" id="{32DF97AD-5037-BDAE-79B8-37F2E13D3CD5}"/>
+                <a16:creationId xmlns:a16="http://schemas.microsoft.com/office/drawing/2014/main" id="{A7D008C4-C6C6-2D4A-69F2-BB58F4A1FB27}"/>
               </a:ext>
             </a:extLst>
           </p:cNvPr>
@@ -910,7 +910,7 @@
           <a:bodyPr/>
           <a:lstStyle/>
           <a:p>
-            <a:fld id="{EA544FD3-C8FE-445A-A79C-CDBC9AB0FD08}" type="slidenum">
+            <a:fld id="{13336758-18DE-4073-A172-07C7A4B14B10}" type="slidenum">
               <a:rPr lang="zh-CN" altLang="en-US" smtClean="0"/>
               <a:t>‹#›</a:t>
             </a:fld>
@@ -921,7 +921,7 @@
     </p:spTree>
     <p:extLst>
       <p:ext uri="{BB962C8B-B14F-4D97-AF65-F5344CB8AC3E}">
-        <p14:creationId xmlns:p14="http://schemas.microsoft.com/office/powerpoint/2010/main" val="2565592499"/>
+        <p14:creationId xmlns:p14="http://schemas.microsoft.com/office/powerpoint/2010/main" val="3247243283"/>
       </p:ext>
     </p:extLst>
   </p:cSld>
@@ -953,7 +953,7 @@
           <p:cNvPr id="2" name="标题 1">
             <a:extLst>
               <a:ext uri="{FF2B5EF4-FFF2-40B4-BE49-F238E27FC236}">
-                <a16:creationId xmlns:a16="http://schemas.microsoft.com/office/drawing/2014/main" id="{FA747B84-FA10-4EE9-9B50-15B49A6155B6}"/>
+                <a16:creationId xmlns:a16="http://schemas.microsoft.com/office/drawing/2014/main" id="{E354E45B-D4F4-C0E7-B63F-AD9323FAED81}"/>
               </a:ext>
             </a:extLst>
           </p:cNvPr>
@@ -990,7 +990,7 @@
           <p:cNvPr id="3" name="文本占位符 2">
             <a:extLst>
               <a:ext uri="{FF2B5EF4-FFF2-40B4-BE49-F238E27FC236}">
-                <a16:creationId xmlns:a16="http://schemas.microsoft.com/office/drawing/2014/main" id="{B3D138C5-D180-5B3D-7FF2-84D156B3FEEA}"/>
+                <a16:creationId xmlns:a16="http://schemas.microsoft.com/office/drawing/2014/main" id="{9FF55D4D-FC30-D293-9372-4551D29F12F0}"/>
               </a:ext>
             </a:extLst>
           </p:cNvPr>
@@ -1115,7 +1115,7 @@
           <p:cNvPr id="4" name="日期占位符 3">
             <a:extLst>
               <a:ext uri="{FF2B5EF4-FFF2-40B4-BE49-F238E27FC236}">
-                <a16:creationId xmlns:a16="http://schemas.microsoft.com/office/drawing/2014/main" id="{4522E69D-41B3-5302-652F-BBF5D2CC2C8A}"/>
+                <a16:creationId xmlns:a16="http://schemas.microsoft.com/office/drawing/2014/main" id="{9875B7B8-A757-42A2-5841-DEEF58B66B3F}"/>
               </a:ext>
             </a:extLst>
           </p:cNvPr>
@@ -1131,7 +1131,7 @@
           <a:bodyPr/>
           <a:lstStyle/>
           <a:p>
-            <a:fld id="{A03E2210-B729-48AC-A363-D352A1756E0D}" type="datetimeFigureOut">
+            <a:fld id="{65F0669D-6D43-4FBF-964C-F59C66159069}" type="datetimeFigureOut">
               <a:rPr lang="zh-CN" altLang="en-US" smtClean="0"/>
               <a:t>2024/3/10</a:t>
             </a:fld>
@@ -1144,7 +1144,7 @@
           <p:cNvPr id="5" name="页脚占位符 4">
             <a:extLst>
               <a:ext uri="{FF2B5EF4-FFF2-40B4-BE49-F238E27FC236}">
-                <a16:creationId xmlns:a16="http://schemas.microsoft.com/office/drawing/2014/main" id="{BECB9C25-E948-4546-DCF5-BED6EC15FB16}"/>
+                <a16:creationId xmlns:a16="http://schemas.microsoft.com/office/drawing/2014/main" id="{13C8C7A7-9096-BC1D-445F-4FA508583B38}"/>
               </a:ext>
             </a:extLst>
           </p:cNvPr>
@@ -1169,7 +1169,7 @@
           <p:cNvPr id="6" name="灯片编号占位符 5">
             <a:extLst>
               <a:ext uri="{FF2B5EF4-FFF2-40B4-BE49-F238E27FC236}">
-                <a16:creationId xmlns:a16="http://schemas.microsoft.com/office/drawing/2014/main" id="{92D9B44F-3F98-3D3A-53A1-6B5B8DFBCF81}"/>
+                <a16:creationId xmlns:a16="http://schemas.microsoft.com/office/drawing/2014/main" id="{23A89814-7CEB-70AE-B4AE-A743A3A6A596}"/>
               </a:ext>
             </a:extLst>
           </p:cNvPr>
@@ -1185,7 +1185,7 @@
           <a:bodyPr/>
           <a:lstStyle/>
           <a:p>
-            <a:fld id="{EA544FD3-C8FE-445A-A79C-CDBC9AB0FD08}" type="slidenum">
+            <a:fld id="{13336758-18DE-4073-A172-07C7A4B14B10}" type="slidenum">
               <a:rPr lang="zh-CN" altLang="en-US" smtClean="0"/>
               <a:t>‹#›</a:t>
             </a:fld>
@@ -1196,7 +1196,7 @@
     </p:spTree>
     <p:extLst>
       <p:ext uri="{BB962C8B-B14F-4D97-AF65-F5344CB8AC3E}">
-        <p14:creationId xmlns:p14="http://schemas.microsoft.com/office/powerpoint/2010/main" val="2361127383"/>
+        <p14:creationId xmlns:p14="http://schemas.microsoft.com/office/powerpoint/2010/main" val="2831437870"/>
       </p:ext>
     </p:extLst>
   </p:cSld>
@@ -1228,7 +1228,7 @@
           <p:cNvPr id="2" name="标题 1">
             <a:extLst>
               <a:ext uri="{FF2B5EF4-FFF2-40B4-BE49-F238E27FC236}">
-                <a16:creationId xmlns:a16="http://schemas.microsoft.com/office/drawing/2014/main" id="{0989FECC-7DED-1D51-3162-6A9E7CB9F631}"/>
+                <a16:creationId xmlns:a16="http://schemas.microsoft.com/office/drawing/2014/main" id="{D7C3F552-C8D6-6BE5-E7C0-B8B480876BAB}"/>
               </a:ext>
             </a:extLst>
           </p:cNvPr>
@@ -1256,7 +1256,7 @@
           <p:cNvPr id="3" name="内容占位符 2">
             <a:extLst>
               <a:ext uri="{FF2B5EF4-FFF2-40B4-BE49-F238E27FC236}">
-                <a16:creationId xmlns:a16="http://schemas.microsoft.com/office/drawing/2014/main" id="{8FA34482-6494-701A-51C5-A58ECEDC7884}"/>
+                <a16:creationId xmlns:a16="http://schemas.microsoft.com/office/drawing/2014/main" id="{5474C576-ACC3-F1AD-E715-491CA5936537}"/>
               </a:ext>
             </a:extLst>
           </p:cNvPr>
@@ -1318,7 +1318,7 @@
           <p:cNvPr id="4" name="内容占位符 3">
             <a:extLst>
               <a:ext uri="{FF2B5EF4-FFF2-40B4-BE49-F238E27FC236}">
-                <a16:creationId xmlns:a16="http://schemas.microsoft.com/office/drawing/2014/main" id="{B46A30DB-BF74-C7C3-36F8-85F38F85DC9E}"/>
+                <a16:creationId xmlns:a16="http://schemas.microsoft.com/office/drawing/2014/main" id="{70F1346F-DA48-2982-299F-0A71FF99B421}"/>
               </a:ext>
             </a:extLst>
           </p:cNvPr>
@@ -1380,7 +1380,7 @@
           <p:cNvPr id="5" name="日期占位符 4">
             <a:extLst>
               <a:ext uri="{FF2B5EF4-FFF2-40B4-BE49-F238E27FC236}">
-                <a16:creationId xmlns:a16="http://schemas.microsoft.com/office/drawing/2014/main" id="{474AC9A2-F112-3443-5B42-E2063F79C358}"/>
+                <a16:creationId xmlns:a16="http://schemas.microsoft.com/office/drawing/2014/main" id="{DF750F86-F761-CEED-06DC-39ACAB653D2A}"/>
               </a:ext>
             </a:extLst>
           </p:cNvPr>
@@ -1396,7 +1396,7 @@
           <a:bodyPr/>
           <a:lstStyle/>
           <a:p>
-            <a:fld id="{A03E2210-B729-48AC-A363-D352A1756E0D}" type="datetimeFigureOut">
+            <a:fld id="{65F0669D-6D43-4FBF-964C-F59C66159069}" type="datetimeFigureOut">
               <a:rPr lang="zh-CN" altLang="en-US" smtClean="0"/>
               <a:t>2024/3/10</a:t>
             </a:fld>
@@ -1409,7 +1409,7 @@
           <p:cNvPr id="6" name="页脚占位符 5">
             <a:extLst>
               <a:ext uri="{FF2B5EF4-FFF2-40B4-BE49-F238E27FC236}">
-                <a16:creationId xmlns:a16="http://schemas.microsoft.com/office/drawing/2014/main" id="{7E22406E-133C-F88B-0DC8-7D89F361CDF8}"/>
+                <a16:creationId xmlns:a16="http://schemas.microsoft.com/office/drawing/2014/main" id="{8B3E1EC6-3E27-6B77-3F25-76B80B1BD472}"/>
               </a:ext>
             </a:extLst>
           </p:cNvPr>
@@ -1434,7 +1434,7 @@
           <p:cNvPr id="7" name="灯片编号占位符 6">
             <a:extLst>
               <a:ext uri="{FF2B5EF4-FFF2-40B4-BE49-F238E27FC236}">
-                <a16:creationId xmlns:a16="http://schemas.microsoft.com/office/drawing/2014/main" id="{36E5C6EF-28BE-224B-1036-CE1B80A893C0}"/>
+                <a16:creationId xmlns:a16="http://schemas.microsoft.com/office/drawing/2014/main" id="{7971A2B1-9597-6F1F-AE87-BBA7370D7C74}"/>
               </a:ext>
             </a:extLst>
           </p:cNvPr>
@@ -1450,7 +1450,7 @@
           <a:bodyPr/>
           <a:lstStyle/>
           <a:p>
-            <a:fld id="{EA544FD3-C8FE-445A-A79C-CDBC9AB0FD08}" type="slidenum">
+            <a:fld id="{13336758-18DE-4073-A172-07C7A4B14B10}" type="slidenum">
               <a:rPr lang="zh-CN" altLang="en-US" smtClean="0"/>
               <a:t>‹#›</a:t>
             </a:fld>
@@ -1461,7 +1461,7 @@
     </p:spTree>
     <p:extLst>
       <p:ext uri="{BB962C8B-B14F-4D97-AF65-F5344CB8AC3E}">
-        <p14:creationId xmlns:p14="http://schemas.microsoft.com/office/powerpoint/2010/main" val="895309546"/>
+        <p14:creationId xmlns:p14="http://schemas.microsoft.com/office/powerpoint/2010/main" val="781475786"/>
       </p:ext>
     </p:extLst>
   </p:cSld>
@@ -1493,7 +1493,7 @@
           <p:cNvPr id="2" name="标题 1">
             <a:extLst>
               <a:ext uri="{FF2B5EF4-FFF2-40B4-BE49-F238E27FC236}">
-                <a16:creationId xmlns:a16="http://schemas.microsoft.com/office/drawing/2014/main" id="{284C3930-B494-0888-90A1-547EC77BCBD5}"/>
+                <a16:creationId xmlns:a16="http://schemas.microsoft.com/office/drawing/2014/main" id="{62357BA9-185B-A9C2-A945-0FA2E355F5A5}"/>
               </a:ext>
             </a:extLst>
           </p:cNvPr>
@@ -1526,7 +1526,7 @@
           <p:cNvPr id="3" name="文本占位符 2">
             <a:extLst>
               <a:ext uri="{FF2B5EF4-FFF2-40B4-BE49-F238E27FC236}">
-                <a16:creationId xmlns:a16="http://schemas.microsoft.com/office/drawing/2014/main" id="{11E05F22-4703-35A9-D10E-1713C5CA7BC5}"/>
+                <a16:creationId xmlns:a16="http://schemas.microsoft.com/office/drawing/2014/main" id="{FE2D753C-A8B7-8AE5-822D-54F440DBA485}"/>
               </a:ext>
             </a:extLst>
           </p:cNvPr>
@@ -1597,7 +1597,7 @@
           <p:cNvPr id="4" name="内容占位符 3">
             <a:extLst>
               <a:ext uri="{FF2B5EF4-FFF2-40B4-BE49-F238E27FC236}">
-                <a16:creationId xmlns:a16="http://schemas.microsoft.com/office/drawing/2014/main" id="{31AB3F71-DF32-79B0-1090-96AA9561C5B8}"/>
+                <a16:creationId xmlns:a16="http://schemas.microsoft.com/office/drawing/2014/main" id="{9A4DB685-C16F-12C4-D1F3-D4E2282CFCEE}"/>
               </a:ext>
             </a:extLst>
           </p:cNvPr>
@@ -1659,7 +1659,7 @@
           <p:cNvPr id="5" name="文本占位符 4">
             <a:extLst>
               <a:ext uri="{FF2B5EF4-FFF2-40B4-BE49-F238E27FC236}">
-                <a16:creationId xmlns:a16="http://schemas.microsoft.com/office/drawing/2014/main" id="{C72D286F-6CCF-FC41-EBD5-0C479B47EBED}"/>
+                <a16:creationId xmlns:a16="http://schemas.microsoft.com/office/drawing/2014/main" id="{0BE100AC-89DB-D597-A1E9-909E21E2EB64}"/>
               </a:ext>
             </a:extLst>
           </p:cNvPr>
@@ -1730,7 +1730,7 @@
           <p:cNvPr id="6" name="内容占位符 5">
             <a:extLst>
               <a:ext uri="{FF2B5EF4-FFF2-40B4-BE49-F238E27FC236}">
-                <a16:creationId xmlns:a16="http://schemas.microsoft.com/office/drawing/2014/main" id="{390EC37C-2ABE-F8A4-5357-58899EBC74D3}"/>
+                <a16:creationId xmlns:a16="http://schemas.microsoft.com/office/drawing/2014/main" id="{089674BD-60C4-C35C-0F96-FB4077DA88F0}"/>
               </a:ext>
             </a:extLst>
           </p:cNvPr>
@@ -1792,7 +1792,7 @@
           <p:cNvPr id="7" name="日期占位符 6">
             <a:extLst>
               <a:ext uri="{FF2B5EF4-FFF2-40B4-BE49-F238E27FC236}">
-                <a16:creationId xmlns:a16="http://schemas.microsoft.com/office/drawing/2014/main" id="{87A011A7-FE6D-B979-E10B-89D22A9818F6}"/>
+                <a16:creationId xmlns:a16="http://schemas.microsoft.com/office/drawing/2014/main" id="{72DB4C56-12F9-B736-383C-F61BB2731E65}"/>
               </a:ext>
             </a:extLst>
           </p:cNvPr>
@@ -1808,7 +1808,7 @@
           <a:bodyPr/>
           <a:lstStyle/>
           <a:p>
-            <a:fld id="{A03E2210-B729-48AC-A363-D352A1756E0D}" type="datetimeFigureOut">
+            <a:fld id="{65F0669D-6D43-4FBF-964C-F59C66159069}" type="datetimeFigureOut">
               <a:rPr lang="zh-CN" altLang="en-US" smtClean="0"/>
               <a:t>2024/3/10</a:t>
             </a:fld>
@@ -1821,7 +1821,7 @@
           <p:cNvPr id="8" name="页脚占位符 7">
             <a:extLst>
               <a:ext uri="{FF2B5EF4-FFF2-40B4-BE49-F238E27FC236}">
-                <a16:creationId xmlns:a16="http://schemas.microsoft.com/office/drawing/2014/main" id="{98D55A1E-9633-155F-9301-0195498517F6}"/>
+                <a16:creationId xmlns:a16="http://schemas.microsoft.com/office/drawing/2014/main" id="{69986657-EA1C-1EC2-0BB8-F4FCE8681AE0}"/>
               </a:ext>
             </a:extLst>
           </p:cNvPr>
@@ -1846,7 +1846,7 @@
           <p:cNvPr id="9" name="灯片编号占位符 8">
             <a:extLst>
               <a:ext uri="{FF2B5EF4-FFF2-40B4-BE49-F238E27FC236}">
-                <a16:creationId xmlns:a16="http://schemas.microsoft.com/office/drawing/2014/main" id="{1D47F9E9-F566-49CC-0FBA-613983426945}"/>
+                <a16:creationId xmlns:a16="http://schemas.microsoft.com/office/drawing/2014/main" id="{378654E1-3468-CA1F-D338-7CE2A05C2BA8}"/>
               </a:ext>
             </a:extLst>
           </p:cNvPr>
@@ -1862,7 +1862,7 @@
           <a:bodyPr/>
           <a:lstStyle/>
           <a:p>
-            <a:fld id="{EA544FD3-C8FE-445A-A79C-CDBC9AB0FD08}" type="slidenum">
+            <a:fld id="{13336758-18DE-4073-A172-07C7A4B14B10}" type="slidenum">
               <a:rPr lang="zh-CN" altLang="en-US" smtClean="0"/>
               <a:t>‹#›</a:t>
             </a:fld>
@@ -1873,7 +1873,7 @@
     </p:spTree>
     <p:extLst>
       <p:ext uri="{BB962C8B-B14F-4D97-AF65-F5344CB8AC3E}">
-        <p14:creationId xmlns:p14="http://schemas.microsoft.com/office/powerpoint/2010/main" val="3352381125"/>
+        <p14:creationId xmlns:p14="http://schemas.microsoft.com/office/powerpoint/2010/main" val="3428060182"/>
       </p:ext>
     </p:extLst>
   </p:cSld>
@@ -1905,7 +1905,7 @@
           <p:cNvPr id="2" name="标题 1">
             <a:extLst>
               <a:ext uri="{FF2B5EF4-FFF2-40B4-BE49-F238E27FC236}">
-                <a16:creationId xmlns:a16="http://schemas.microsoft.com/office/drawing/2014/main" id="{16C6CAC0-1A74-A2BA-43B1-F453E1A63D03}"/>
+                <a16:creationId xmlns:a16="http://schemas.microsoft.com/office/drawing/2014/main" id="{C3F9C4F6-B502-EA71-5DB3-7ACA5808DF44}"/>
               </a:ext>
             </a:extLst>
           </p:cNvPr>
@@ -1933,7 +1933,7 @@
           <p:cNvPr id="3" name="日期占位符 2">
             <a:extLst>
               <a:ext uri="{FF2B5EF4-FFF2-40B4-BE49-F238E27FC236}">
-                <a16:creationId xmlns:a16="http://schemas.microsoft.com/office/drawing/2014/main" id="{F8763BFB-5B10-37D5-6964-18CC44D3F1C4}"/>
+                <a16:creationId xmlns:a16="http://schemas.microsoft.com/office/drawing/2014/main" id="{48B759C1-EF9A-5D5E-6B47-44DB7CA1D2EA}"/>
               </a:ext>
             </a:extLst>
           </p:cNvPr>
@@ -1949,7 +1949,7 @@
           <a:bodyPr/>
           <a:lstStyle/>
           <a:p>
-            <a:fld id="{A03E2210-B729-48AC-A363-D352A1756E0D}" type="datetimeFigureOut">
+            <a:fld id="{65F0669D-6D43-4FBF-964C-F59C66159069}" type="datetimeFigureOut">
               <a:rPr lang="zh-CN" altLang="en-US" smtClean="0"/>
               <a:t>2024/3/10</a:t>
             </a:fld>
@@ -1962,7 +1962,7 @@
           <p:cNvPr id="4" name="页脚占位符 3">
             <a:extLst>
               <a:ext uri="{FF2B5EF4-FFF2-40B4-BE49-F238E27FC236}">
-                <a16:creationId xmlns:a16="http://schemas.microsoft.com/office/drawing/2014/main" id="{5AC90A88-16EE-CD23-6809-8E0DDE497689}"/>
+                <a16:creationId xmlns:a16="http://schemas.microsoft.com/office/drawing/2014/main" id="{292DDC34-DCB2-C03F-6637-DDC042D3AE0A}"/>
               </a:ext>
             </a:extLst>
           </p:cNvPr>
@@ -1987,7 +1987,7 @@
           <p:cNvPr id="5" name="灯片编号占位符 4">
             <a:extLst>
               <a:ext uri="{FF2B5EF4-FFF2-40B4-BE49-F238E27FC236}">
-                <a16:creationId xmlns:a16="http://schemas.microsoft.com/office/drawing/2014/main" id="{56F415DE-968C-7FAA-0A1D-D6ACAC1538B8}"/>
+                <a16:creationId xmlns:a16="http://schemas.microsoft.com/office/drawing/2014/main" id="{1B19A932-CD93-763E-9057-E95E0EAC1C46}"/>
               </a:ext>
             </a:extLst>
           </p:cNvPr>
@@ -2003,7 +2003,7 @@
           <a:bodyPr/>
           <a:lstStyle/>
           <a:p>
-            <a:fld id="{EA544FD3-C8FE-445A-A79C-CDBC9AB0FD08}" type="slidenum">
+            <a:fld id="{13336758-18DE-4073-A172-07C7A4B14B10}" type="slidenum">
               <a:rPr lang="zh-CN" altLang="en-US" smtClean="0"/>
               <a:t>‹#›</a:t>
             </a:fld>
@@ -2014,7 +2014,7 @@
     </p:spTree>
     <p:extLst>
       <p:ext uri="{BB962C8B-B14F-4D97-AF65-F5344CB8AC3E}">
-        <p14:creationId xmlns:p14="http://schemas.microsoft.com/office/powerpoint/2010/main" val="2264798849"/>
+        <p14:creationId xmlns:p14="http://schemas.microsoft.com/office/powerpoint/2010/main" val="3054095781"/>
       </p:ext>
     </p:extLst>
   </p:cSld>
@@ -2046,7 +2046,7 @@
           <p:cNvPr id="2" name="日期占位符 1">
             <a:extLst>
               <a:ext uri="{FF2B5EF4-FFF2-40B4-BE49-F238E27FC236}">
-                <a16:creationId xmlns:a16="http://schemas.microsoft.com/office/drawing/2014/main" id="{9DEC259C-3447-D5EF-C5DA-3BA8BF80F0E7}"/>
+                <a16:creationId xmlns:a16="http://schemas.microsoft.com/office/drawing/2014/main" id="{371EAC38-2234-0B97-87E4-91358DF11DF8}"/>
               </a:ext>
             </a:extLst>
           </p:cNvPr>
@@ -2062,7 +2062,7 @@
           <a:bodyPr/>
           <a:lstStyle/>
           <a:p>
-            <a:fld id="{A03E2210-B729-48AC-A363-D352A1756E0D}" type="datetimeFigureOut">
+            <a:fld id="{65F0669D-6D43-4FBF-964C-F59C66159069}" type="datetimeFigureOut">
               <a:rPr lang="zh-CN" altLang="en-US" smtClean="0"/>
               <a:t>2024/3/10</a:t>
             </a:fld>
@@ -2075,7 +2075,7 @@
           <p:cNvPr id="3" name="页脚占位符 2">
             <a:extLst>
               <a:ext uri="{FF2B5EF4-FFF2-40B4-BE49-F238E27FC236}">
-                <a16:creationId xmlns:a16="http://schemas.microsoft.com/office/drawing/2014/main" id="{9635F0AD-393E-FD8B-D692-41EE857C10D2}"/>
+                <a16:creationId xmlns:a16="http://schemas.microsoft.com/office/drawing/2014/main" id="{F4B78329-412E-6536-6F11-179FCFCD57ED}"/>
               </a:ext>
             </a:extLst>
           </p:cNvPr>
@@ -2100,7 +2100,7 @@
           <p:cNvPr id="4" name="灯片编号占位符 3">
             <a:extLst>
               <a:ext uri="{FF2B5EF4-FFF2-40B4-BE49-F238E27FC236}">
-                <a16:creationId xmlns:a16="http://schemas.microsoft.com/office/drawing/2014/main" id="{06D77A9A-96E3-4CB3-6FC2-BFDFE04B9819}"/>
+                <a16:creationId xmlns:a16="http://schemas.microsoft.com/office/drawing/2014/main" id="{131CBF45-B226-D773-A66D-BDFFF750312E}"/>
               </a:ext>
             </a:extLst>
           </p:cNvPr>
@@ -2116,7 +2116,7 @@
           <a:bodyPr/>
           <a:lstStyle/>
           <a:p>
-            <a:fld id="{EA544FD3-C8FE-445A-A79C-CDBC9AB0FD08}" type="slidenum">
+            <a:fld id="{13336758-18DE-4073-A172-07C7A4B14B10}" type="slidenum">
               <a:rPr lang="zh-CN" altLang="en-US" smtClean="0"/>
               <a:t>‹#›</a:t>
             </a:fld>
@@ -2127,7 +2127,7 @@
     </p:spTree>
     <p:extLst>
       <p:ext uri="{BB962C8B-B14F-4D97-AF65-F5344CB8AC3E}">
-        <p14:creationId xmlns:p14="http://schemas.microsoft.com/office/powerpoint/2010/main" val="650581456"/>
+        <p14:creationId xmlns:p14="http://schemas.microsoft.com/office/powerpoint/2010/main" val="3997745542"/>
       </p:ext>
     </p:extLst>
   </p:cSld>
@@ -2159,7 +2159,7 @@
           <p:cNvPr id="2" name="标题 1">
             <a:extLst>
               <a:ext uri="{FF2B5EF4-FFF2-40B4-BE49-F238E27FC236}">
-                <a16:creationId xmlns:a16="http://schemas.microsoft.com/office/drawing/2014/main" id="{D7C733BE-0A53-6C44-C9A8-7C4C71C9C63A}"/>
+                <a16:creationId xmlns:a16="http://schemas.microsoft.com/office/drawing/2014/main" id="{444783CE-D447-A9D1-7CE1-EC29B2E9B281}"/>
               </a:ext>
             </a:extLst>
           </p:cNvPr>
@@ -2196,7 +2196,7 @@
           <p:cNvPr id="3" name="内容占位符 2">
             <a:extLst>
               <a:ext uri="{FF2B5EF4-FFF2-40B4-BE49-F238E27FC236}">
-                <a16:creationId xmlns:a16="http://schemas.microsoft.com/office/drawing/2014/main" id="{D1BE035E-E56B-C6CF-D134-46C2C5EB3F17}"/>
+                <a16:creationId xmlns:a16="http://schemas.microsoft.com/office/drawing/2014/main" id="{C6E70B5A-FD00-6019-3A47-2B9848AF688C}"/>
               </a:ext>
             </a:extLst>
           </p:cNvPr>
@@ -2286,7 +2286,7 @@
           <p:cNvPr id="4" name="文本占位符 3">
             <a:extLst>
               <a:ext uri="{FF2B5EF4-FFF2-40B4-BE49-F238E27FC236}">
-                <a16:creationId xmlns:a16="http://schemas.microsoft.com/office/drawing/2014/main" id="{81B5611F-EC67-901E-7E1D-1195C7944AED}"/>
+                <a16:creationId xmlns:a16="http://schemas.microsoft.com/office/drawing/2014/main" id="{1228753F-303A-26D1-EF66-830ED796626A}"/>
               </a:ext>
             </a:extLst>
           </p:cNvPr>
@@ -2357,7 +2357,7 @@
           <p:cNvPr id="5" name="日期占位符 4">
             <a:extLst>
               <a:ext uri="{FF2B5EF4-FFF2-40B4-BE49-F238E27FC236}">
-                <a16:creationId xmlns:a16="http://schemas.microsoft.com/office/drawing/2014/main" id="{C2C2A695-5695-0F87-1F2F-ABA5A8444C03}"/>
+                <a16:creationId xmlns:a16="http://schemas.microsoft.com/office/drawing/2014/main" id="{118C6DF3-09DE-536F-E651-42818EB4FEBC}"/>
               </a:ext>
             </a:extLst>
           </p:cNvPr>
@@ -2373,7 +2373,7 @@
           <a:bodyPr/>
           <a:lstStyle/>
           <a:p>
-            <a:fld id="{A03E2210-B729-48AC-A363-D352A1756E0D}" type="datetimeFigureOut">
+            <a:fld id="{65F0669D-6D43-4FBF-964C-F59C66159069}" type="datetimeFigureOut">
               <a:rPr lang="zh-CN" altLang="en-US" smtClean="0"/>
               <a:t>2024/3/10</a:t>
             </a:fld>
@@ -2386,7 +2386,7 @@
           <p:cNvPr id="6" name="页脚占位符 5">
             <a:extLst>
               <a:ext uri="{FF2B5EF4-FFF2-40B4-BE49-F238E27FC236}">
-                <a16:creationId xmlns:a16="http://schemas.microsoft.com/office/drawing/2014/main" id="{27F0BBFA-D611-7730-8580-49F7E114285F}"/>
+                <a16:creationId xmlns:a16="http://schemas.microsoft.com/office/drawing/2014/main" id="{D163A161-131E-02F5-740D-A7D286A75A48}"/>
               </a:ext>
             </a:extLst>
           </p:cNvPr>
@@ -2411,7 +2411,7 @@
           <p:cNvPr id="7" name="灯片编号占位符 6">
             <a:extLst>
               <a:ext uri="{FF2B5EF4-FFF2-40B4-BE49-F238E27FC236}">
-                <a16:creationId xmlns:a16="http://schemas.microsoft.com/office/drawing/2014/main" id="{88346A09-7E3D-16F6-E675-45214D385D70}"/>
+                <a16:creationId xmlns:a16="http://schemas.microsoft.com/office/drawing/2014/main" id="{E3665722-A335-6180-2B01-88BAA48E886A}"/>
               </a:ext>
             </a:extLst>
           </p:cNvPr>
@@ -2427,7 +2427,7 @@
           <a:bodyPr/>
           <a:lstStyle/>
           <a:p>
-            <a:fld id="{EA544FD3-C8FE-445A-A79C-CDBC9AB0FD08}" type="slidenum">
+            <a:fld id="{13336758-18DE-4073-A172-07C7A4B14B10}" type="slidenum">
               <a:rPr lang="zh-CN" altLang="en-US" smtClean="0"/>
               <a:t>‹#›</a:t>
             </a:fld>
@@ -2438,7 +2438,7 @@
     </p:spTree>
     <p:extLst>
       <p:ext uri="{BB962C8B-B14F-4D97-AF65-F5344CB8AC3E}">
-        <p14:creationId xmlns:p14="http://schemas.microsoft.com/office/powerpoint/2010/main" val="1473569031"/>
+        <p14:creationId xmlns:p14="http://schemas.microsoft.com/office/powerpoint/2010/main" val="3910415418"/>
       </p:ext>
     </p:extLst>
   </p:cSld>
@@ -2470,7 +2470,7 @@
           <p:cNvPr id="2" name="标题 1">
             <a:extLst>
               <a:ext uri="{FF2B5EF4-FFF2-40B4-BE49-F238E27FC236}">
-                <a16:creationId xmlns:a16="http://schemas.microsoft.com/office/drawing/2014/main" id="{A7D27A2F-05BA-CA98-F2D3-29A5EA74012B}"/>
+                <a16:creationId xmlns:a16="http://schemas.microsoft.com/office/drawing/2014/main" id="{E0B4B002-E5A5-97CE-E4BC-3DCEAA3C3829}"/>
               </a:ext>
             </a:extLst>
           </p:cNvPr>
@@ -2507,7 +2507,7 @@
           <p:cNvPr id="3" name="图片占位符 2">
             <a:extLst>
               <a:ext uri="{FF2B5EF4-FFF2-40B4-BE49-F238E27FC236}">
-                <a16:creationId xmlns:a16="http://schemas.microsoft.com/office/drawing/2014/main" id="{D3B187D7-7AAD-2940-7E4D-F211B9344783}"/>
+                <a16:creationId xmlns:a16="http://schemas.microsoft.com/office/drawing/2014/main" id="{25CB4CCE-7AA3-891E-4882-EE4C53A5384A}"/>
               </a:ext>
             </a:extLst>
           </p:cNvPr>
@@ -2574,7 +2574,7 @@
           <p:cNvPr id="4" name="文本占位符 3">
             <a:extLst>
               <a:ext uri="{FF2B5EF4-FFF2-40B4-BE49-F238E27FC236}">
-                <a16:creationId xmlns:a16="http://schemas.microsoft.com/office/drawing/2014/main" id="{260EA404-1172-5DD5-E935-5D53B8805FCD}"/>
+                <a16:creationId xmlns:a16="http://schemas.microsoft.com/office/drawing/2014/main" id="{BD4C0F87-7DC5-6ACF-C3A5-E646A57F3241}"/>
               </a:ext>
             </a:extLst>
           </p:cNvPr>
@@ -2645,7 +2645,7 @@
           <p:cNvPr id="5" name="日期占位符 4">
             <a:extLst>
               <a:ext uri="{FF2B5EF4-FFF2-40B4-BE49-F238E27FC236}">
-                <a16:creationId xmlns:a16="http://schemas.microsoft.com/office/drawing/2014/main" id="{33606DED-FF1C-39C1-D904-343490396736}"/>
+                <a16:creationId xmlns:a16="http://schemas.microsoft.com/office/drawing/2014/main" id="{F8CC05C2-5C49-72B8-8E9E-A6B5DF71D238}"/>
               </a:ext>
             </a:extLst>
           </p:cNvPr>
@@ -2661,7 +2661,7 @@
           <a:bodyPr/>
           <a:lstStyle/>
           <a:p>
-            <a:fld id="{A03E2210-B729-48AC-A363-D352A1756E0D}" type="datetimeFigureOut">
+            <a:fld id="{65F0669D-6D43-4FBF-964C-F59C66159069}" type="datetimeFigureOut">
               <a:rPr lang="zh-CN" altLang="en-US" smtClean="0"/>
               <a:t>2024/3/10</a:t>
             </a:fld>
@@ -2674,7 +2674,7 @@
           <p:cNvPr id="6" name="页脚占位符 5">
             <a:extLst>
               <a:ext uri="{FF2B5EF4-FFF2-40B4-BE49-F238E27FC236}">
-                <a16:creationId xmlns:a16="http://schemas.microsoft.com/office/drawing/2014/main" id="{E06FD1D9-59FA-CA66-E2C6-9F3CD3618DB6}"/>
+                <a16:creationId xmlns:a16="http://schemas.microsoft.com/office/drawing/2014/main" id="{ADB6CB08-1CB2-368B-052D-AB339FBAF69E}"/>
               </a:ext>
             </a:extLst>
           </p:cNvPr>
@@ -2699,7 +2699,7 @@
           <p:cNvPr id="7" name="灯片编号占位符 6">
             <a:extLst>
               <a:ext uri="{FF2B5EF4-FFF2-40B4-BE49-F238E27FC236}">
-                <a16:creationId xmlns:a16="http://schemas.microsoft.com/office/drawing/2014/main" id="{2BF1F681-48D6-0E54-427B-EA0555ED0F96}"/>
+                <a16:creationId xmlns:a16="http://schemas.microsoft.com/office/drawing/2014/main" id="{D7B4CCE1-7B71-31C4-4435-C044B5C342A0}"/>
               </a:ext>
             </a:extLst>
           </p:cNvPr>
@@ -2715,7 +2715,7 @@
           <a:bodyPr/>
           <a:lstStyle/>
           <a:p>
-            <a:fld id="{EA544FD3-C8FE-445A-A79C-CDBC9AB0FD08}" type="slidenum">
+            <a:fld id="{13336758-18DE-4073-A172-07C7A4B14B10}" type="slidenum">
               <a:rPr lang="zh-CN" altLang="en-US" smtClean="0"/>
               <a:t>‹#›</a:t>
             </a:fld>
@@ -2726,7 +2726,7 @@
     </p:spTree>
     <p:extLst>
       <p:ext uri="{BB962C8B-B14F-4D97-AF65-F5344CB8AC3E}">
-        <p14:creationId xmlns:p14="http://schemas.microsoft.com/office/powerpoint/2010/main" val="3188880324"/>
+        <p14:creationId xmlns:p14="http://schemas.microsoft.com/office/powerpoint/2010/main" val="3621420922"/>
       </p:ext>
     </p:extLst>
   </p:cSld>
@@ -2763,7 +2763,7 @@
           <p:cNvPr id="2" name="标题占位符 1">
             <a:extLst>
               <a:ext uri="{FF2B5EF4-FFF2-40B4-BE49-F238E27FC236}">
-                <a16:creationId xmlns:a16="http://schemas.microsoft.com/office/drawing/2014/main" id="{4732A03B-B181-2C30-BEAB-2EF417A4F3D6}"/>
+                <a16:creationId xmlns:a16="http://schemas.microsoft.com/office/drawing/2014/main" id="{B95BEA0A-8AAE-FDBF-8662-51CB42A2B38F}"/>
               </a:ext>
             </a:extLst>
           </p:cNvPr>
@@ -2801,7 +2801,7 @@
           <p:cNvPr id="3" name="文本占位符 2">
             <a:extLst>
               <a:ext uri="{FF2B5EF4-FFF2-40B4-BE49-F238E27FC236}">
-                <a16:creationId xmlns:a16="http://schemas.microsoft.com/office/drawing/2014/main" id="{36803F30-0E82-B4A9-7A6D-60E8E1682392}"/>
+                <a16:creationId xmlns:a16="http://schemas.microsoft.com/office/drawing/2014/main" id="{CAAF4CF3-20A5-245C-5E8C-4491FD3C00A7}"/>
               </a:ext>
             </a:extLst>
           </p:cNvPr>
@@ -2868,7 +2868,7 @@
           <p:cNvPr id="4" name="日期占位符 3">
             <a:extLst>
               <a:ext uri="{FF2B5EF4-FFF2-40B4-BE49-F238E27FC236}">
-                <a16:creationId xmlns:a16="http://schemas.microsoft.com/office/drawing/2014/main" id="{48CF782A-BDF6-3BD9-E19D-41D870948319}"/>
+                <a16:creationId xmlns:a16="http://schemas.microsoft.com/office/drawing/2014/main" id="{796DC6A9-8522-3C97-D03D-6903E6C836D7}"/>
               </a:ext>
             </a:extLst>
           </p:cNvPr>
@@ -2902,7 +2902,7 @@
             </a:lvl1pPr>
           </a:lstStyle>
           <a:p>
-            <a:fld id="{A03E2210-B729-48AC-A363-D352A1756E0D}" type="datetimeFigureOut">
+            <a:fld id="{65F0669D-6D43-4FBF-964C-F59C66159069}" type="datetimeFigureOut">
               <a:rPr lang="zh-CN" altLang="en-US" smtClean="0"/>
               <a:t>2024/3/10</a:t>
             </a:fld>
@@ -2915,7 +2915,7 @@
           <p:cNvPr id="5" name="页脚占位符 4">
             <a:extLst>
               <a:ext uri="{FF2B5EF4-FFF2-40B4-BE49-F238E27FC236}">
-                <a16:creationId xmlns:a16="http://schemas.microsoft.com/office/drawing/2014/main" id="{44DF3234-92F2-C2D2-796D-10C1BA2E4EBC}"/>
+                <a16:creationId xmlns:a16="http://schemas.microsoft.com/office/drawing/2014/main" id="{C43CD6F0-DE3A-AD54-90AF-9F18EA9D1876}"/>
               </a:ext>
             </a:extLst>
           </p:cNvPr>
@@ -2958,7 +2958,7 @@
           <p:cNvPr id="6" name="灯片编号占位符 5">
             <a:extLst>
               <a:ext uri="{FF2B5EF4-FFF2-40B4-BE49-F238E27FC236}">
-                <a16:creationId xmlns:a16="http://schemas.microsoft.com/office/drawing/2014/main" id="{A7E63A46-9FB2-51DC-D895-DA893DC02884}"/>
+                <a16:creationId xmlns:a16="http://schemas.microsoft.com/office/drawing/2014/main" id="{244E4918-14DF-A013-EDCC-FA89D126E93C}"/>
               </a:ext>
             </a:extLst>
           </p:cNvPr>
@@ -2992,7 +2992,7 @@
             </a:lvl1pPr>
           </a:lstStyle>
           <a:p>
-            <a:fld id="{EA544FD3-C8FE-445A-A79C-CDBC9AB0FD08}" type="slidenum">
+            <a:fld id="{13336758-18DE-4073-A172-07C7A4B14B10}" type="slidenum">
               <a:rPr lang="zh-CN" altLang="en-US" smtClean="0"/>
               <a:t>‹#›</a:t>
             </a:fld>
@@ -3003,7 +3003,7 @@
     </p:spTree>
     <p:extLst>
       <p:ext uri="{BB962C8B-B14F-4D97-AF65-F5344CB8AC3E}">
-        <p14:creationId xmlns:p14="http://schemas.microsoft.com/office/powerpoint/2010/main" val="3800061120"/>
+        <p14:creationId xmlns:p14="http://schemas.microsoft.com/office/powerpoint/2010/main" val="1475892669"/>
       </p:ext>
     </p:extLst>
   </p:cSld>
@@ -3323,7 +3323,7 @@
       </p:grpSpPr>
       <p:pic>
         <p:nvPicPr>
-          <p:cNvPr id="686082" name="Picture 2" descr="669"/>
+          <p:cNvPr id="687106" name="Picture 2" descr="670"/>
           <p:cNvPicPr>
             <a:picLocks noChangeAspect="1" noChangeArrowheads="1"/>
           </p:cNvPicPr>
@@ -3345,7 +3345,7 @@
         <p:spPr bwMode="auto">
           <a:xfrm>
             <a:off x="1524000" y="0"/>
-            <a:ext cx="9144000" cy="6021388"/>
+            <a:ext cx="9144000" cy="6858000"/>
           </a:xfrm>
           <a:prstGeom prst="rect">
             <a:avLst/>
